--- a/FINAL_PROJECT_VER.0.1/homepage/myproject/media/game/assets/images/guide-IMG/ppt/huongdan_7.pptx
+++ b/FINAL_PROJECT_VER.0.1/homepage/myproject/media/game/assets/images/guide-IMG/ppt/huongdan_7.pptx
@@ -316,7 +316,7 @@
             <a:fld id="{1D8BD707-D9CF-40AE-B4C6-C98DA3205C09}" type="datetimeFigureOut">
               <a:rPr lang="en-US" smtClean="0"/>
               <a:pPr/>
-              <a:t>08/12/202323</a:t>
+              <a:t>29/12/202323</a:t>
             </a:fld>
             <a:endParaRPr lang="en-US"/>
           </a:p>
@@ -481,7 +481,7 @@
             <a:fld id="{1D8BD707-D9CF-40AE-B4C6-C98DA3205C09}" type="datetimeFigureOut">
               <a:rPr lang="en-US" smtClean="0"/>
               <a:pPr/>
-              <a:t>08/12/202323</a:t>
+              <a:t>29/12/202323</a:t>
             </a:fld>
             <a:endParaRPr lang="en-US"/>
           </a:p>
@@ -656,7 +656,7 @@
             <a:fld id="{1D8BD707-D9CF-40AE-B4C6-C98DA3205C09}" type="datetimeFigureOut">
               <a:rPr lang="en-US" smtClean="0"/>
               <a:pPr/>
-              <a:t>08/12/202323</a:t>
+              <a:t>29/12/202323</a:t>
             </a:fld>
             <a:endParaRPr lang="en-US"/>
           </a:p>
@@ -821,7 +821,7 @@
             <a:fld id="{1D8BD707-D9CF-40AE-B4C6-C98DA3205C09}" type="datetimeFigureOut">
               <a:rPr lang="en-US" smtClean="0"/>
               <a:pPr/>
-              <a:t>08/12/202323</a:t>
+              <a:t>29/12/202323</a:t>
             </a:fld>
             <a:endParaRPr lang="en-US"/>
           </a:p>
@@ -1063,7 +1063,7 @@
             <a:fld id="{1D8BD707-D9CF-40AE-B4C6-C98DA3205C09}" type="datetimeFigureOut">
               <a:rPr lang="en-US" smtClean="0"/>
               <a:pPr/>
-              <a:t>08/12/202323</a:t>
+              <a:t>29/12/202323</a:t>
             </a:fld>
             <a:endParaRPr lang="en-US"/>
           </a:p>
@@ -1345,7 +1345,7 @@
             <a:fld id="{1D8BD707-D9CF-40AE-B4C6-C98DA3205C09}" type="datetimeFigureOut">
               <a:rPr lang="en-US" smtClean="0"/>
               <a:pPr/>
-              <a:t>08/12/202323</a:t>
+              <a:t>29/12/202323</a:t>
             </a:fld>
             <a:endParaRPr lang="en-US"/>
           </a:p>
@@ -1761,7 +1761,7 @@
             <a:fld id="{1D8BD707-D9CF-40AE-B4C6-C98DA3205C09}" type="datetimeFigureOut">
               <a:rPr lang="en-US" smtClean="0"/>
               <a:pPr/>
-              <a:t>08/12/202323</a:t>
+              <a:t>29/12/202323</a:t>
             </a:fld>
             <a:endParaRPr lang="en-US"/>
           </a:p>
@@ -1875,7 +1875,7 @@
             <a:fld id="{1D8BD707-D9CF-40AE-B4C6-C98DA3205C09}" type="datetimeFigureOut">
               <a:rPr lang="en-US" smtClean="0"/>
               <a:pPr/>
-              <a:t>08/12/202323</a:t>
+              <a:t>29/12/202323</a:t>
             </a:fld>
             <a:endParaRPr lang="en-US"/>
           </a:p>
@@ -1967,7 +1967,7 @@
             <a:fld id="{1D8BD707-D9CF-40AE-B4C6-C98DA3205C09}" type="datetimeFigureOut">
               <a:rPr lang="en-US" smtClean="0"/>
               <a:pPr/>
-              <a:t>08/12/202323</a:t>
+              <a:t>29/12/202323</a:t>
             </a:fld>
             <a:endParaRPr lang="en-US"/>
           </a:p>
@@ -2239,7 +2239,7 @@
             <a:fld id="{1D8BD707-D9CF-40AE-B4C6-C98DA3205C09}" type="datetimeFigureOut">
               <a:rPr lang="en-US" smtClean="0"/>
               <a:pPr/>
-              <a:t>08/12/202323</a:t>
+              <a:t>29/12/202323</a:t>
             </a:fld>
             <a:endParaRPr lang="en-US"/>
           </a:p>
@@ -2488,7 +2488,7 @@
             <a:fld id="{1D8BD707-D9CF-40AE-B4C6-C98DA3205C09}" type="datetimeFigureOut">
               <a:rPr lang="en-US" smtClean="0"/>
               <a:pPr/>
-              <a:t>08/12/202323</a:t>
+              <a:t>29/12/202323</a:t>
             </a:fld>
             <a:endParaRPr lang="en-US"/>
           </a:p>
@@ -2712,7 +2712,7 @@
             <a:fld id="{1D8BD707-D9CF-40AE-B4C6-C98DA3205C09}" type="datetimeFigureOut">
               <a:rPr lang="en-US" smtClean="0"/>
               <a:pPr/>
-              <a:t>08/12/202323</a:t>
+              <a:t>29/12/202323</a:t>
             </a:fld>
             <a:endParaRPr lang="en-US"/>
           </a:p>
@@ -4255,8 +4255,8 @@
         </p:nvSpPr>
         <p:spPr>
           <a:xfrm>
-            <a:off x="1563034" y="5292411"/>
-            <a:ext cx="2633568" cy="536385"/>
+            <a:off x="1409517" y="5136879"/>
+            <a:ext cx="2890605" cy="797995"/>
           </a:xfrm>
           <a:custGeom>
             <a:avLst/>
@@ -4320,8 +4320,8 @@
         </p:nvSpPr>
         <p:spPr>
           <a:xfrm>
-            <a:off x="1978251" y="5546958"/>
-            <a:ext cx="1801730" cy="120610"/>
+            <a:off x="1579182" y="5227212"/>
+            <a:ext cx="2548864" cy="615553"/>
           </a:xfrm>
           <a:prstGeom prst="rect">
             <a:avLst/>
@@ -4333,20 +4333,22 @@
           </a:bodyPr>
           <a:lstStyle/>
           <a:p>
-            <a:pPr algn="ctr">
-              <a:lnSpc>
-                <a:spcPts val="781"/>
-              </a:lnSpc>
-            </a:pPr>
-            <a:r>
-              <a:rPr lang="en-US" sz="1400">
+            <a:pPr algn="ctr"/>
+            <a:r>
+              <a:rPr lang="vi-VN" sz="2000" dirty="0">
                 <a:solidFill>
                   <a:srgbClr val="000000"/>
                 </a:solidFill>
                 <a:latin typeface="Paytone One" panose="020B0604020202020204" charset="0"/>
               </a:rPr>
-              <a:t>Nhấn F để chơi</a:t>
-            </a:r>
+              <a:t>Hãy di chuyển đến MỤC TIÊU</a:t>
+            </a:r>
+            <a:endParaRPr lang="en-US" sz="2000" dirty="0">
+              <a:solidFill>
+                <a:srgbClr val="000000"/>
+              </a:solidFill>
+              <a:latin typeface="Paytone One" panose="020B0604020202020204" charset="0"/>
+            </a:endParaRPr>
           </a:p>
         </p:txBody>
       </p:sp>
